--- a/MobileBestPractices.pptx
+++ b/MobileBestPractices.pptx
@@ -294,7 +294,7 @@
           <a:p>
             <a:fld id="{D8C263C0-7852-9E4B-B2AE-8F1EF064A668}" type="datetimeFigureOut">
               <a:rPr lang="en-US" smtClean="0"/>
-              <a:t>11/2/16</a:t>
+              <a:t>11/14/2016</a:t>
             </a:fld>
             <a:endParaRPr lang="en-US"/>
           </a:p>
@@ -464,7 +464,7 @@
           <a:p>
             <a:fld id="{D8C263C0-7852-9E4B-B2AE-8F1EF064A668}" type="datetimeFigureOut">
               <a:rPr lang="en-US" smtClean="0"/>
-              <a:t>11/2/16</a:t>
+              <a:t>11/14/2016</a:t>
             </a:fld>
             <a:endParaRPr lang="en-US"/>
           </a:p>
@@ -644,7 +644,7 @@
           <a:p>
             <a:fld id="{D8C263C0-7852-9E4B-B2AE-8F1EF064A668}" type="datetimeFigureOut">
               <a:rPr lang="en-US" smtClean="0"/>
-              <a:t>11/2/16</a:t>
+              <a:t>11/14/2016</a:t>
             </a:fld>
             <a:endParaRPr lang="en-US"/>
           </a:p>
@@ -814,7 +814,7 @@
           <a:p>
             <a:fld id="{D8C263C0-7852-9E4B-B2AE-8F1EF064A668}" type="datetimeFigureOut">
               <a:rPr lang="en-US" smtClean="0"/>
-              <a:t>11/2/16</a:t>
+              <a:t>11/14/2016</a:t>
             </a:fld>
             <a:endParaRPr lang="en-US"/>
           </a:p>
@@ -1060,7 +1060,7 @@
           <a:p>
             <a:fld id="{D8C263C0-7852-9E4B-B2AE-8F1EF064A668}" type="datetimeFigureOut">
               <a:rPr lang="en-US" smtClean="0"/>
-              <a:t>11/2/16</a:t>
+              <a:t>11/14/2016</a:t>
             </a:fld>
             <a:endParaRPr lang="en-US"/>
           </a:p>
@@ -1348,7 +1348,7 @@
           <a:p>
             <a:fld id="{D8C263C0-7852-9E4B-B2AE-8F1EF064A668}" type="datetimeFigureOut">
               <a:rPr lang="en-US" smtClean="0"/>
-              <a:t>11/2/16</a:t>
+              <a:t>11/14/2016</a:t>
             </a:fld>
             <a:endParaRPr lang="en-US"/>
           </a:p>
@@ -1770,7 +1770,7 @@
           <a:p>
             <a:fld id="{D8C263C0-7852-9E4B-B2AE-8F1EF064A668}" type="datetimeFigureOut">
               <a:rPr lang="en-US" smtClean="0"/>
-              <a:t>11/2/16</a:t>
+              <a:t>11/14/2016</a:t>
             </a:fld>
             <a:endParaRPr lang="en-US"/>
           </a:p>
@@ -1888,7 +1888,7 @@
           <a:p>
             <a:fld id="{D8C263C0-7852-9E4B-B2AE-8F1EF064A668}" type="datetimeFigureOut">
               <a:rPr lang="en-US" smtClean="0"/>
-              <a:t>11/2/16</a:t>
+              <a:t>11/14/2016</a:t>
             </a:fld>
             <a:endParaRPr lang="en-US"/>
           </a:p>
@@ -1983,7 +1983,7 @@
           <a:p>
             <a:fld id="{D8C263C0-7852-9E4B-B2AE-8F1EF064A668}" type="datetimeFigureOut">
               <a:rPr lang="en-US" smtClean="0"/>
-              <a:t>11/2/16</a:t>
+              <a:t>11/14/2016</a:t>
             </a:fld>
             <a:endParaRPr lang="en-US"/>
           </a:p>
@@ -2260,7 +2260,7 @@
           <a:p>
             <a:fld id="{D8C263C0-7852-9E4B-B2AE-8F1EF064A668}" type="datetimeFigureOut">
               <a:rPr lang="en-US" smtClean="0"/>
-              <a:t>11/2/16</a:t>
+              <a:t>11/14/2016</a:t>
             </a:fld>
             <a:endParaRPr lang="en-US"/>
           </a:p>
@@ -2513,7 +2513,7 @@
           <a:p>
             <a:fld id="{D8C263C0-7852-9E4B-B2AE-8F1EF064A668}" type="datetimeFigureOut">
               <a:rPr lang="en-US" smtClean="0"/>
-              <a:t>11/2/16</a:t>
+              <a:t>11/14/2016</a:t>
             </a:fld>
             <a:endParaRPr lang="en-US"/>
           </a:p>
@@ -2726,7 +2726,7 @@
           <a:p>
             <a:fld id="{D8C263C0-7852-9E4B-B2AE-8F1EF064A668}" type="datetimeFigureOut">
               <a:rPr lang="en-US" smtClean="0"/>
-              <a:t>11/2/16</a:t>
+              <a:t>11/14/2016</a:t>
             </a:fld>
             <a:endParaRPr lang="en-US"/>
           </a:p>
@@ -3158,6 +3158,13 @@
   <p:clrMapOvr>
     <a:masterClrMapping/>
   </p:clrMapOvr>
+  <p:timing>
+    <p:tnLst>
+      <p:par>
+        <p:cTn id="1" dur="indefinite" restart="never" nodeType="tmRoot"/>
+      </p:par>
+    </p:tnLst>
+  </p:timing>
 </p:sld>
 </file>
 
@@ -3195,7 +3202,7 @@
           <a:p>
             <a:r>
               <a:rPr lang="en-US" dirty="0" smtClean="0"/>
-              <a:t>Best Practices</a:t>
+              <a:t>Mobile Best Practices</a:t>
             </a:r>
             <a:endParaRPr lang="en-US" dirty="0"/>
           </a:p>
@@ -3262,8 +3269,9 @@
           <a:p>
             <a:r>
               <a:rPr lang="en-US" dirty="0" smtClean="0"/>
-              <a:t>Requirements</a:t>
-            </a:r>
+              <a:t>Requirements – Stories - Tasks</a:t>
+            </a:r>
+            <a:endParaRPr lang="en-US" dirty="0" smtClean="0"/>
           </a:p>
           <a:p>
             <a:r>
@@ -3309,6 +3317,13 @@
   <p:clrMapOvr>
     <a:masterClrMapping/>
   </p:clrMapOvr>
+  <p:timing>
+    <p:tnLst>
+      <p:par>
+        <p:cTn id="1" dur="indefinite" restart="never" nodeType="tmRoot"/>
+      </p:par>
+    </p:tnLst>
+  </p:timing>
 </p:sld>
 </file>
 
@@ -3415,18 +3430,14 @@
             </a:r>
             <a:r>
               <a:rPr lang="en-US" dirty="0" err="1" smtClean="0"/>
-              <a:t>mparticle</a:t>
+              <a:t>mParticle</a:t>
             </a:r>
             <a:endParaRPr lang="en-US" dirty="0" smtClean="0"/>
           </a:p>
           <a:p>
             <a:r>
               <a:rPr lang="en-US" dirty="0" smtClean="0"/>
-              <a:t>Marketing Tools pushes in app notifications – App Boy; specific release type </a:t>
-            </a:r>
-            <a:r>
-              <a:rPr lang="en-US" smtClean="0"/>
-              <a:t>(prod)</a:t>
+              <a:t>Marketing Tools pushes in app notifications – App Boy; specific release type (prod)</a:t>
             </a:r>
             <a:endParaRPr lang="en-US" dirty="0"/>
           </a:p>
@@ -3445,6 +3456,13 @@
   <p:clrMapOvr>
     <a:masterClrMapping/>
   </p:clrMapOvr>
+  <p:timing>
+    <p:tnLst>
+      <p:par>
+        <p:cTn id="1" dur="indefinite" restart="never" nodeType="tmRoot"/>
+      </p:par>
+    </p:tnLst>
+  </p:timing>
 </p:sld>
 </file>
 
@@ -3480,7 +3498,11 @@
           <a:bodyPr/>
           <a:lstStyle/>
           <a:p>
-            <a:endParaRPr lang="en-US"/>
+            <a:r>
+              <a:rPr lang="en-US" dirty="0" smtClean="0"/>
+              <a:t>Test Strategy</a:t>
+            </a:r>
+            <a:endParaRPr lang="en-US" dirty="0"/>
           </a:p>
         </p:txBody>
       </p:sp>
@@ -3496,13 +3518,20 @@
         </p:nvSpPr>
         <p:spPr/>
         <p:txBody>
-          <a:bodyPr/>
-          <a:lstStyle/>
-          <a:p>
-            <a:r>
-              <a:rPr lang="en-US" dirty="0" smtClean="0"/>
-              <a:t>Release Criteria to Production</a:t>
-            </a:r>
+          <a:bodyPr>
+            <a:normAutofit fontScale="92500" lnSpcReduction="10000"/>
+          </a:bodyPr>
+          <a:lstStyle/>
+          <a:p>
+            <a:r>
+              <a:rPr lang="en-US" dirty="0" smtClean="0"/>
+              <a:t>Release Criteria to </a:t>
+            </a:r>
+            <a:r>
+              <a:rPr lang="en-US" dirty="0" smtClean="0"/>
+              <a:t>Production – define this</a:t>
+            </a:r>
+            <a:endParaRPr lang="en-US" dirty="0" smtClean="0"/>
           </a:p>
           <a:p>
             <a:r>
@@ -3521,20 +3550,48 @@
             <a:pPr lvl="1"/>
             <a:r>
               <a:rPr lang="en-US" dirty="0" smtClean="0"/>
-              <a:t>Regression Testing</a:t>
-            </a:r>
-          </a:p>
-          <a:p>
-            <a:pPr marL="457200" lvl="1" indent="0">
-              <a:buNone/>
-            </a:pPr>
-            <a:endParaRPr lang="en-US" dirty="0"/>
-          </a:p>
-          <a:p>
-            <a:r>
-              <a:rPr lang="en-US" dirty="0" smtClean="0"/>
-              <a:t>Pre-Launch Testing</a:t>
-            </a:r>
+              <a:t>Regression </a:t>
+            </a:r>
+            <a:r>
+              <a:rPr lang="en-US" dirty="0" smtClean="0"/>
+              <a:t>Testing</a:t>
+            </a:r>
+          </a:p>
+          <a:p>
+            <a:pPr lvl="1"/>
+            <a:r>
+              <a:rPr lang="en-US" dirty="0" smtClean="0"/>
+              <a:t>Backend Testing – Server side deploys</a:t>
+            </a:r>
+          </a:p>
+          <a:p>
+            <a:pPr lvl="1"/>
+            <a:r>
+              <a:rPr lang="en-US" dirty="0" smtClean="0"/>
+              <a:t>API </a:t>
+            </a:r>
+            <a:r>
+              <a:rPr lang="en-US" dirty="0"/>
+              <a:t>Testing</a:t>
+            </a:r>
+          </a:p>
+          <a:p>
+            <a:r>
+              <a:rPr lang="en-US" dirty="0" smtClean="0"/>
+              <a:t>Coupled with Release Strategy</a:t>
+            </a:r>
+            <a:endParaRPr lang="en-US" dirty="0" smtClean="0"/>
+          </a:p>
+          <a:p>
+            <a:r>
+              <a:rPr lang="en-US" dirty="0"/>
+              <a:t>Pre-Launch </a:t>
+            </a:r>
+            <a:r>
+              <a:rPr lang="en-US" dirty="0" smtClean="0"/>
+              <a:t>Testing</a:t>
+            </a:r>
+            <a:endParaRPr lang="en-US" dirty="0" smtClean="0"/>
           </a:p>
           <a:p>
             <a:r>
@@ -3570,6 +3627,13 @@
   <p:clrMapOvr>
     <a:masterClrMapping/>
   </p:clrMapOvr>
+  <p:timing>
+    <p:tnLst>
+      <p:par>
+        <p:cTn id="1" dur="indefinite" restart="never" nodeType="tmRoot"/>
+      </p:par>
+    </p:tnLst>
+  </p:timing>
 </p:sld>
 </file>
 
@@ -3605,7 +3669,11 @@
           <a:bodyPr/>
           <a:lstStyle/>
           <a:p>
-            <a:endParaRPr lang="en-US"/>
+            <a:r>
+              <a:rPr lang="en-US" dirty="0" smtClean="0"/>
+              <a:t>Test Strategy</a:t>
+            </a:r>
+            <a:endParaRPr lang="en-US" dirty="0"/>
           </a:p>
         </p:txBody>
       </p:sp>
@@ -3622,7 +3690,7 @@
         <p:spPr/>
         <p:txBody>
           <a:bodyPr>
-            <a:normAutofit fontScale="92500" lnSpcReduction="20000"/>
+            <a:normAutofit fontScale="77500" lnSpcReduction="20000"/>
           </a:bodyPr>
           <a:lstStyle/>
           <a:p>
@@ -3701,8 +3769,22 @@
           <a:p>
             <a:r>
               <a:rPr lang="en-US" dirty="0" smtClean="0"/>
-              <a:t>Integration Testing – On Partner’s network</a:t>
-            </a:r>
+              <a:t>Integration Testing – On Partner’s </a:t>
+            </a:r>
+            <a:r>
+              <a:rPr lang="en-US" dirty="0" smtClean="0"/>
+              <a:t>network</a:t>
+            </a:r>
+          </a:p>
+          <a:p>
+            <a:endParaRPr lang="en-US" dirty="0" smtClean="0"/>
+          </a:p>
+          <a:p>
+            <a:r>
+              <a:rPr lang="en-US" dirty="0" smtClean="0"/>
+              <a:t>Testing Tasks and Effort – make visible by tracking in Jira</a:t>
+            </a:r>
+            <a:endParaRPr lang="en-US" dirty="0" smtClean="0"/>
           </a:p>
           <a:p>
             <a:pPr lvl="1"/>
@@ -3720,6 +3802,13 @@
   <p:clrMapOvr>
     <a:masterClrMapping/>
   </p:clrMapOvr>
+  <p:timing>
+    <p:tnLst>
+      <p:par>
+        <p:cTn id="1" dur="indefinite" restart="never" nodeType="tmRoot"/>
+      </p:par>
+    </p:tnLst>
+  </p:timing>
 </p:sld>
 </file>
 
@@ -3826,6 +3915,13 @@
   <p:clrMapOvr>
     <a:masterClrMapping/>
   </p:clrMapOvr>
+  <p:timing>
+    <p:tnLst>
+      <p:par>
+        <p:cTn id="1" dur="indefinite" restart="never" nodeType="tmRoot"/>
+      </p:par>
+    </p:tnLst>
+  </p:timing>
 </p:sld>
 </file>
 
@@ -3971,6 +4067,13 @@
   <p:clrMapOvr>
     <a:masterClrMapping/>
   </p:clrMapOvr>
+  <p:timing>
+    <p:tnLst>
+      <p:par>
+        <p:cTn id="1" dur="indefinite" restart="never" nodeType="tmRoot"/>
+      </p:par>
+    </p:tnLst>
+  </p:timing>
 </p:sld>
 </file>
 
